--- a/Sharing session - Optimization using Python.pptx
+++ b/Sharing session - Optimization using Python.pptx
@@ -42,11 +42,8 @@
       <p:regular r:id="rId21"/>
     </p:embeddedFont>
     <p:embeddedFont>
-      <p:font typeface="Open Sans" panose="020B0606030504020204" pitchFamily="34" charset="0"/>
-      <p:regular r:id="rId22"/>
-      <p:bold r:id="rId23"/>
-      <p:italic r:id="rId24"/>
-      <p:boldItalic r:id="rId25"/>
+      <p:font typeface="Open Sans SemiBold" panose="020B0706030804020204" pitchFamily="34" charset="0"/>
+      <p:bold r:id="rId22"/>
     </p:embeddedFont>
   </p:embeddedFontLst>
   <p:defaultTextStyle>
@@ -412,7 +409,7 @@
             <a:fld id="{1D8BD707-D9CF-40AE-B4C6-C98DA3205C09}" type="datetimeFigureOut">
               <a:rPr lang="en-US" smtClean="0"/>
               <a:pPr/>
-              <a:t>6/27/2020</a:t>
+              <a:t>6/30/2020</a:t>
             </a:fld>
             <a:endParaRPr lang="en-US"/>
           </a:p>
@@ -577,7 +574,7 @@
             <a:fld id="{1D8BD707-D9CF-40AE-B4C6-C98DA3205C09}" type="datetimeFigureOut">
               <a:rPr lang="en-US" smtClean="0"/>
               <a:pPr/>
-              <a:t>6/27/2020</a:t>
+              <a:t>6/30/2020</a:t>
             </a:fld>
             <a:endParaRPr lang="en-US"/>
           </a:p>
@@ -752,7 +749,7 @@
             <a:fld id="{1D8BD707-D9CF-40AE-B4C6-C98DA3205C09}" type="datetimeFigureOut">
               <a:rPr lang="en-US" smtClean="0"/>
               <a:pPr/>
-              <a:t>6/27/2020</a:t>
+              <a:t>6/30/2020</a:t>
             </a:fld>
             <a:endParaRPr lang="en-US"/>
           </a:p>
@@ -917,7 +914,7 @@
             <a:fld id="{1D8BD707-D9CF-40AE-B4C6-C98DA3205C09}" type="datetimeFigureOut">
               <a:rPr lang="en-US" smtClean="0"/>
               <a:pPr/>
-              <a:t>6/27/2020</a:t>
+              <a:t>6/30/2020</a:t>
             </a:fld>
             <a:endParaRPr lang="en-US"/>
           </a:p>
@@ -1159,7 +1156,7 @@
             <a:fld id="{1D8BD707-D9CF-40AE-B4C6-C98DA3205C09}" type="datetimeFigureOut">
               <a:rPr lang="en-US" smtClean="0"/>
               <a:pPr/>
-              <a:t>6/27/2020</a:t>
+              <a:t>6/30/2020</a:t>
             </a:fld>
             <a:endParaRPr lang="en-US"/>
           </a:p>
@@ -1441,7 +1438,7 @@
             <a:fld id="{1D8BD707-D9CF-40AE-B4C6-C98DA3205C09}" type="datetimeFigureOut">
               <a:rPr lang="en-US" smtClean="0"/>
               <a:pPr/>
-              <a:t>6/27/2020</a:t>
+              <a:t>6/30/2020</a:t>
             </a:fld>
             <a:endParaRPr lang="en-US"/>
           </a:p>
@@ -1857,7 +1854,7 @@
             <a:fld id="{1D8BD707-D9CF-40AE-B4C6-C98DA3205C09}" type="datetimeFigureOut">
               <a:rPr lang="en-US" smtClean="0"/>
               <a:pPr/>
-              <a:t>6/27/2020</a:t>
+              <a:t>6/30/2020</a:t>
             </a:fld>
             <a:endParaRPr lang="en-US"/>
           </a:p>
@@ -1971,7 +1968,7 @@
             <a:fld id="{1D8BD707-D9CF-40AE-B4C6-C98DA3205C09}" type="datetimeFigureOut">
               <a:rPr lang="en-US" smtClean="0"/>
               <a:pPr/>
-              <a:t>6/27/2020</a:t>
+              <a:t>6/30/2020</a:t>
             </a:fld>
             <a:endParaRPr lang="en-US"/>
           </a:p>
@@ -2063,7 +2060,7 @@
             <a:fld id="{1D8BD707-D9CF-40AE-B4C6-C98DA3205C09}" type="datetimeFigureOut">
               <a:rPr lang="en-US" smtClean="0"/>
               <a:pPr/>
-              <a:t>6/27/2020</a:t>
+              <a:t>6/30/2020</a:t>
             </a:fld>
             <a:endParaRPr lang="en-US"/>
           </a:p>
@@ -2335,7 +2332,7 @@
             <a:fld id="{1D8BD707-D9CF-40AE-B4C6-C98DA3205C09}" type="datetimeFigureOut">
               <a:rPr lang="en-US" smtClean="0"/>
               <a:pPr/>
-              <a:t>6/27/2020</a:t>
+              <a:t>6/30/2020</a:t>
             </a:fld>
             <a:endParaRPr lang="en-US"/>
           </a:p>
@@ -2584,7 +2581,7 @@
             <a:fld id="{1D8BD707-D9CF-40AE-B4C6-C98DA3205C09}" type="datetimeFigureOut">
               <a:rPr lang="en-US" smtClean="0"/>
               <a:pPr/>
-              <a:t>6/27/2020</a:t>
+              <a:t>6/30/2020</a:t>
             </a:fld>
             <a:endParaRPr lang="en-US"/>
           </a:p>
@@ -2792,7 +2789,7 @@
             <a:fld id="{1D8BD707-D9CF-40AE-B4C6-C98DA3205C09}" type="datetimeFigureOut">
               <a:rPr lang="en-US" smtClean="0"/>
               <a:pPr/>
-              <a:t>6/27/2020</a:t>
+              <a:t>6/30/2020</a:t>
             </a:fld>
             <a:endParaRPr lang="en-US"/>
           </a:p>
@@ -3191,9 +3188,9 @@
         <p:grpSpPr>
           <a:xfrm>
             <a:off x="2150696" y="5143500"/>
-            <a:ext cx="15109632" cy="2948839"/>
+            <a:ext cx="15109632" cy="3124200"/>
             <a:chOff x="0" y="1148928"/>
-            <a:chExt cx="20146176" cy="3931787"/>
+            <a:chExt cx="20146176" cy="4165604"/>
           </a:xfrm>
         </p:grpSpPr>
         <p:sp>
@@ -3251,8 +3248,8 @@
           </p:nvSpPr>
           <p:spPr>
             <a:xfrm>
-              <a:off x="0" y="3931683"/>
-              <a:ext cx="17655605" cy="1149032"/>
+              <a:off x="0" y="4247572"/>
+              <a:ext cx="17655605" cy="1066960"/>
             </a:xfrm>
             <a:prstGeom prst="rect">
               <a:avLst/>
@@ -3265,13 +3262,13 @@
             <a:lstStyle/>
             <a:p>
               <a:r>
-                <a:rPr lang="en-US" sz="2800" spc="32" dirty="0">
+                <a:rPr lang="en-US" sz="2600" spc="32" dirty="0">
                   <a:solidFill>
                     <a:srgbClr val="202020"/>
                   </a:solidFill>
-                  <a:latin typeface="Open Sans" panose="020B0606030504020204" pitchFamily="34" charset="0"/>
-                  <a:ea typeface="Open Sans" panose="020B0606030504020204" pitchFamily="34" charset="0"/>
-                  <a:cs typeface="Open Sans" panose="020B0606030504020204" pitchFamily="34" charset="0"/>
+                  <a:latin typeface="Open Sans SemiBold" panose="020B0706030804020204" pitchFamily="34" charset="0"/>
+                  <a:ea typeface="Open Sans SemiBold" panose="020B0706030804020204" pitchFamily="34" charset="0"/>
+                  <a:cs typeface="Open Sans SemiBold" panose="020B0706030804020204" pitchFamily="34" charset="0"/>
                 </a:rPr>
                 <a:t>In this sharing session we will explore about what is optimization and it’s applications that we can use as Data Scientist to deliver solutions using Data.</a:t>
               </a:r>
@@ -3318,7 +3315,7 @@
         </p:nvSpPr>
         <p:spPr>
           <a:xfrm>
-            <a:off x="2111568" y="8689657"/>
+            <a:off x="2111568" y="8796635"/>
             <a:ext cx="15109632" cy="461665"/>
           </a:xfrm>
           <a:prstGeom prst="rect">
@@ -3673,7 +3670,7 @@
         <p:spPr>
           <a:xfrm>
             <a:off x="1420091" y="5830920"/>
-            <a:ext cx="12753109" cy="1128514"/>
+            <a:ext cx="15328671" cy="1025537"/>
           </a:xfrm>
           <a:prstGeom prst="rect">
             <a:avLst/>
@@ -3691,13 +3688,13 @@
               </a:lnSpc>
             </a:pPr>
             <a:r>
-              <a:rPr lang="en-US" sz="8800" spc="72" dirty="0">
+              <a:rPr lang="en-US" sz="7200" spc="72" dirty="0">
                 <a:solidFill>
                   <a:srgbClr val="ED1D24"/>
                 </a:solidFill>
                 <a:latin typeface="Montserrat Classic Bold"/>
               </a:rPr>
-              <a:t>Common Challenges</a:t>
+              <a:t>What and why does it matter ?</a:t>
             </a:r>
           </a:p>
         </p:txBody>
@@ -3744,7 +3741,7 @@
                 </a:solidFill>
                 <a:latin typeface="Montserrat Classic Bold"/>
               </a:rPr>
-              <a:t>Sales Forecasting</a:t>
+              <a:t>Optimization</a:t>
             </a:r>
           </a:p>
         </p:txBody>
@@ -3763,8 +3760,8 @@
         </p:nvSpPr>
         <p:spPr>
           <a:xfrm>
-            <a:off x="1729045" y="7124700"/>
-            <a:ext cx="10417235" cy="1435073"/>
+            <a:off x="1729045" y="7277100"/>
+            <a:ext cx="10417235" cy="1166217"/>
           </a:xfrm>
           <a:prstGeom prst="rect">
             <a:avLst/>
@@ -3778,24 +3775,21 @@
           <a:p>
             <a:pPr>
               <a:lnSpc>
-                <a:spcPts val="3919"/>
+                <a:spcPct val="107000"/>
               </a:lnSpc>
+              <a:spcAft>
+                <a:spcPts val="800"/>
+              </a:spcAft>
             </a:pPr>
             <a:r>
-              <a:rPr lang="en-US" sz="2800" spc="55" dirty="0">
-                <a:solidFill>
-                  <a:srgbClr val="202020"/>
-                </a:solidFill>
-                <a:latin typeface="Montserrat Light"/>
-              </a:rPr>
-              <a:t>We formulate our common problems that we currently face, which prevent us from having good result in the Sales Forecasting project</a:t>
-            </a:r>
-            <a:endParaRPr lang="en-US" sz="2800" b="1" spc="55" dirty="0">
-              <a:solidFill>
-                <a:srgbClr val="202020"/>
-              </a:solidFill>
-              <a:latin typeface="Montserrat Light"/>
-            </a:endParaRPr>
+              <a:rPr lang="en-US" sz="2400" dirty="0">
+                <a:effectLst/>
+                <a:latin typeface="Open Sans SemiBold" panose="020B0706030804020204" pitchFamily="34" charset="0"/>
+                <a:ea typeface="Open Sans SemiBold" panose="020B0706030804020204" pitchFamily="34" charset="0"/>
+                <a:cs typeface="Open Sans SemiBold" panose="020B0706030804020204" pitchFamily="34" charset="0"/>
+              </a:rPr>
+              <a:t>I think the best way to answer this question is to look into our daily life as a data scientist, start from what we do, what question we can answer or what problem that we can solve using data science.</a:t>
+            </a:r>
           </a:p>
         </p:txBody>
       </p:sp>
@@ -3887,13 +3881,13 @@
               </a:lnSpc>
             </a:pPr>
             <a:r>
-              <a:rPr lang="en-US" sz="6600" spc="72" dirty="0">
+              <a:rPr lang="en-US" sz="6000" spc="72" dirty="0">
                 <a:solidFill>
                   <a:srgbClr val="ED1D24"/>
                 </a:solidFill>
                 <a:latin typeface="Montserrat Classic Bold"/>
               </a:rPr>
-              <a:t>Growing Products</a:t>
+              <a:t>How is it Organized ?</a:t>
             </a:r>
           </a:p>
         </p:txBody>
@@ -4131,7 +4125,7 @@
         <p:spPr>
           <a:xfrm>
             <a:off x="1267691" y="2013406"/>
-            <a:ext cx="8561424" cy="938719"/>
+            <a:ext cx="8561424" cy="677108"/>
           </a:xfrm>
           <a:prstGeom prst="rect">
             <a:avLst/>
@@ -4149,7 +4143,7 @@
               </a:spcAft>
             </a:pPr>
             <a:r>
-              <a:rPr lang="en-US" sz="2800" spc="72" dirty="0">
+              <a:rPr lang="en-US" sz="2200" spc="72" dirty="0">
                 <a:solidFill>
                   <a:schemeClr val="tx1">
                     <a:lumMod val="65000"/>
@@ -4158,26 +4152,7 @@
                 </a:solidFill>
                 <a:latin typeface="Montserrat Classic Bold"/>
               </a:rPr>
-              <a:t>The products that we need to forecast </a:t>
-            </a:r>
-          </a:p>
-          <a:p>
-            <a:pPr>
-              <a:spcAft>
-                <a:spcPts val="600"/>
-              </a:spcAft>
-            </a:pPr>
-            <a:r>
-              <a:rPr lang="en-US" sz="2800" spc="72" dirty="0">
-                <a:solidFill>
-                  <a:schemeClr val="tx1">
-                    <a:lumMod val="65000"/>
-                    <a:lumOff val="35000"/>
-                  </a:schemeClr>
-                </a:solidFill>
-                <a:latin typeface="Montserrat Classic Bold"/>
-              </a:rPr>
-              <a:t>keep changing overtime</a:t>
+              <a:t>We typically use unsupervised machine learning method to find pattern in the data</a:t>
             </a:r>
           </a:p>
         </p:txBody>

--- a/Sharing session - Optimization using Python.pptx
+++ b/Sharing session - Optimization using Python.pptx
@@ -42,8 +42,15 @@
       <p:regular r:id="rId21"/>
     </p:embeddedFont>
     <p:embeddedFont>
+      <p:font typeface="Open Sans" panose="020B0606030504020204" pitchFamily="34" charset="0"/>
+      <p:regular r:id="rId22"/>
+      <p:bold r:id="rId23"/>
+      <p:italic r:id="rId24"/>
+      <p:boldItalic r:id="rId25"/>
+    </p:embeddedFont>
+    <p:embeddedFont>
       <p:font typeface="Open Sans SemiBold" panose="020B0706030804020204" pitchFamily="34" charset="0"/>
-      <p:bold r:id="rId22"/>
+      <p:bold r:id="rId26"/>
     </p:embeddedFont>
   </p:embeddedFontLst>
   <p:defaultTextStyle>
@@ -3862,7 +3869,7 @@
         </p:nvSpPr>
         <p:spPr>
           <a:xfrm>
-            <a:off x="1219200" y="1017749"/>
+            <a:off x="1219200" y="800100"/>
             <a:ext cx="9138355" cy="1010598"/>
           </a:xfrm>
           <a:prstGeom prst="rect">
@@ -3889,193 +3896,6 @@
               </a:rPr>
               <a:t>How is it Organized ?</a:t>
             </a:r>
-          </a:p>
-        </p:txBody>
-      </p:sp>
-      <p:pic>
-        <p:nvPicPr>
-          <p:cNvPr id="8" name="Picture 7">
-            <a:extLst>
-              <a:ext uri="{FF2B5EF4-FFF2-40B4-BE49-F238E27FC236}">
-                <a16:creationId xmlns:a16="http://schemas.microsoft.com/office/drawing/2014/main" id="{2CD360EC-4936-498E-8564-8DC331B782FD}"/>
-              </a:ext>
-            </a:extLst>
-          </p:cNvPr>
-          <p:cNvPicPr>
-            <a:picLocks noChangeAspect="1"/>
-          </p:cNvPicPr>
-          <p:nvPr/>
-        </p:nvPicPr>
-        <p:blipFill>
-          <a:blip r:embed="rId2" cstate="print">
-            <a:extLst>
-              <a:ext uri="{28A0092B-C50C-407E-A947-70E740481C1C}">
-                <a14:useLocalDpi xmlns:a14="http://schemas.microsoft.com/office/drawing/2010/main" val="0"/>
-              </a:ext>
-            </a:extLst>
-          </a:blip>
-          <a:stretch>
-            <a:fillRect/>
-          </a:stretch>
-        </p:blipFill>
-        <p:spPr>
-          <a:xfrm>
-            <a:off x="1159392" y="3086100"/>
-            <a:ext cx="8310000" cy="6115434"/>
-          </a:xfrm>
-          <a:prstGeom prst="rect">
-            <a:avLst/>
-          </a:prstGeom>
-        </p:spPr>
-      </p:pic>
-      <p:sp>
-        <p:nvSpPr>
-          <p:cNvPr id="9" name="TextBox 6">
-            <a:extLst>
-              <a:ext uri="{FF2B5EF4-FFF2-40B4-BE49-F238E27FC236}">
-                <a16:creationId xmlns:a16="http://schemas.microsoft.com/office/drawing/2014/main" id="{E55BE1D9-C01A-4CD3-85A3-2C3C0DB9723D}"/>
-              </a:ext>
-            </a:extLst>
-          </p:cNvPr>
-          <p:cNvSpPr txBox="1"/>
-          <p:nvPr/>
-        </p:nvSpPr>
-        <p:spPr>
-          <a:xfrm>
-            <a:off x="10058400" y="2952125"/>
-            <a:ext cx="7271784" cy="6093976"/>
-          </a:xfrm>
-          <a:prstGeom prst="rect">
-            <a:avLst/>
-          </a:prstGeom>
-        </p:spPr>
-        <p:txBody>
-          <a:bodyPr wrap="square" lIns="0" tIns="0" rIns="0" bIns="0" rtlCol="0" anchor="t">
-            <a:spAutoFit/>
-          </a:bodyPr>
-          <a:lstStyle/>
-          <a:p>
-            <a:r>
-              <a:rPr lang="en-US" sz="2200" spc="55" dirty="0">
-                <a:solidFill>
-                  <a:srgbClr val="202020"/>
-                </a:solidFill>
-                <a:latin typeface="Montserrat Light"/>
-              </a:rPr>
-              <a:t>The challenge is </a:t>
-            </a:r>
-            <a:r>
-              <a:rPr lang="en-US" sz="2200" b="1" spc="55" dirty="0">
-                <a:solidFill>
-                  <a:srgbClr val="202020"/>
-                </a:solidFill>
-                <a:latin typeface="Montserrat Light"/>
-              </a:rPr>
-              <a:t>we don’t have enough historical data for certain products.</a:t>
-            </a:r>
-          </a:p>
-          <a:p>
-            <a:endParaRPr lang="en-US" sz="2200" b="1" spc="55" dirty="0">
-              <a:solidFill>
-                <a:srgbClr val="202020"/>
-              </a:solidFill>
-              <a:latin typeface="Montserrat Light"/>
-            </a:endParaRPr>
-          </a:p>
-          <a:p>
-            <a:r>
-              <a:rPr lang="en-US" sz="2200" spc="55" dirty="0">
-                <a:solidFill>
-                  <a:srgbClr val="202020"/>
-                </a:solidFill>
-                <a:latin typeface="Montserrat Light"/>
-              </a:rPr>
-              <a:t>We need to discuss and formulate with users and come up with regulations agreed by both sides.</a:t>
-            </a:r>
-          </a:p>
-          <a:p>
-            <a:endParaRPr lang="en-US" sz="2200" spc="55" dirty="0">
-              <a:solidFill>
-                <a:srgbClr val="202020"/>
-              </a:solidFill>
-              <a:latin typeface="Montserrat Light"/>
-            </a:endParaRPr>
-          </a:p>
-          <a:p>
-            <a:r>
-              <a:rPr lang="en-US" sz="2200" spc="55" dirty="0">
-                <a:solidFill>
-                  <a:srgbClr val="202020"/>
-                </a:solidFill>
-                <a:latin typeface="Montserrat Light"/>
-              </a:rPr>
-              <a:t>For example:</a:t>
-            </a:r>
-          </a:p>
-          <a:p>
-            <a:endParaRPr lang="en-US" sz="2200" spc="55" dirty="0">
-              <a:solidFill>
-                <a:srgbClr val="202020"/>
-              </a:solidFill>
-              <a:latin typeface="Montserrat Light"/>
-            </a:endParaRPr>
-          </a:p>
-          <a:p>
-            <a:r>
-              <a:rPr lang="en-US" sz="2200" b="1" spc="55" dirty="0">
-                <a:solidFill>
-                  <a:srgbClr val="202020"/>
-                </a:solidFill>
-                <a:latin typeface="Montserrat Light"/>
-              </a:rPr>
-              <a:t>We don’t submit prediction of products sales forecast which having less than 6 months historical data since time of prediction.</a:t>
-            </a:r>
-          </a:p>
-          <a:p>
-            <a:endParaRPr lang="en-US" sz="2200" spc="55" dirty="0">
-              <a:solidFill>
-                <a:srgbClr val="202020"/>
-              </a:solidFill>
-              <a:latin typeface="Montserrat Light"/>
-            </a:endParaRPr>
-          </a:p>
-          <a:p>
-            <a:r>
-              <a:rPr lang="en-US" sz="2200" spc="55" dirty="0">
-                <a:solidFill>
-                  <a:srgbClr val="202020"/>
-                </a:solidFill>
-                <a:latin typeface="Montserrat Light"/>
-              </a:rPr>
-              <a:t>Or </a:t>
-            </a:r>
-          </a:p>
-          <a:p>
-            <a:endParaRPr lang="en-US" sz="2200" spc="55" dirty="0">
-              <a:solidFill>
-                <a:srgbClr val="202020"/>
-              </a:solidFill>
-              <a:latin typeface="Montserrat Light"/>
-            </a:endParaRPr>
-          </a:p>
-          <a:p>
-            <a:r>
-              <a:rPr lang="en-US" sz="2200" b="1" spc="55" dirty="0">
-                <a:solidFill>
-                  <a:srgbClr val="202020"/>
-                </a:solidFill>
-                <a:latin typeface="Montserrat Light"/>
-              </a:rPr>
-              <a:t>The accuracy of products forecasting which having less than 6 months historical data since time of prediction doesn’t included in calculation.</a:t>
-            </a:r>
-          </a:p>
-          <a:p>
-            <a:endParaRPr lang="en-US" sz="2200" spc="55" dirty="0">
-              <a:solidFill>
-                <a:srgbClr val="202020"/>
-              </a:solidFill>
-              <a:latin typeface="Montserrat Light"/>
-            </a:endParaRPr>
           </a:p>
         </p:txBody>
       </p:sp>
@@ -4094,7 +3914,7 @@
           <p:nvPr/>
         </p:nvPicPr>
         <p:blipFill>
-          <a:blip r:embed="rId3"/>
+          <a:blip r:embed="rId2"/>
           <a:srcRect/>
           <a:stretch>
             <a:fillRect/>
@@ -4124,8 +3944,8 @@
         </p:nvSpPr>
         <p:spPr>
           <a:xfrm>
-            <a:off x="1267691" y="2013406"/>
-            <a:ext cx="8561424" cy="677108"/>
+            <a:off x="1267691" y="1795757"/>
+            <a:ext cx="8561424" cy="738664"/>
           </a:xfrm>
           <a:prstGeom prst="rect">
             <a:avLst/>
@@ -4143,7 +3963,7 @@
               </a:spcAft>
             </a:pPr>
             <a:r>
-              <a:rPr lang="en-US" sz="2200" spc="72" dirty="0">
+              <a:rPr lang="en-US" sz="2400" spc="72" dirty="0">
                 <a:solidFill>
                   <a:schemeClr val="tx1">
                     <a:lumMod val="65000"/>
@@ -4157,6 +3977,133 @@
           </a:p>
         </p:txBody>
       </p:sp>
+      <p:sp>
+        <p:nvSpPr>
+          <p:cNvPr id="9" name="TextBox 6">
+            <a:extLst>
+              <a:ext uri="{FF2B5EF4-FFF2-40B4-BE49-F238E27FC236}">
+                <a16:creationId xmlns:a16="http://schemas.microsoft.com/office/drawing/2014/main" id="{E55BE1D9-C01A-4CD3-85A3-2C3C0DB9723D}"/>
+              </a:ext>
+            </a:extLst>
+          </p:cNvPr>
+          <p:cNvSpPr txBox="1"/>
+          <p:nvPr/>
+        </p:nvSpPr>
+        <p:spPr>
+          <a:xfrm>
+            <a:off x="7772400" y="3314700"/>
+            <a:ext cx="9455526" cy="1723549"/>
+          </a:xfrm>
+          <a:prstGeom prst="rect">
+            <a:avLst/>
+          </a:prstGeom>
+        </p:spPr>
+        <p:txBody>
+          <a:bodyPr wrap="square" lIns="0" tIns="0" rIns="0" bIns="0" rtlCol="0" anchor="t">
+            <a:spAutoFit/>
+          </a:bodyPr>
+          <a:lstStyle/>
+          <a:p>
+            <a:pPr algn="r"/>
+            <a:r>
+              <a:rPr lang="en-US" sz="2800" b="0" i="0" dirty="0">
+                <a:effectLst/>
+                <a:latin typeface="Open Sans" panose="020B0606030504020204" pitchFamily="34" charset="0"/>
+                <a:ea typeface="Open Sans" panose="020B0606030504020204" pitchFamily="34" charset="0"/>
+                <a:cs typeface="Open Sans" panose="020B0606030504020204" pitchFamily="34" charset="0"/>
+              </a:rPr>
+              <a:t>There are a wide variety of techniques that try to tease out the structure of data. One of these techniques are clustering, or segmentation. We separate out a dataset into intuitive chunks which gives us meaningful insights.</a:t>
+            </a:r>
+            <a:endParaRPr lang="en-US" sz="2800" spc="55" dirty="0">
+              <a:latin typeface="Open Sans" panose="020B0606030504020204" pitchFamily="34" charset="0"/>
+              <a:ea typeface="Open Sans" panose="020B0606030504020204" pitchFamily="34" charset="0"/>
+              <a:cs typeface="Open Sans" panose="020B0606030504020204" pitchFamily="34" charset="0"/>
+            </a:endParaRPr>
+          </a:p>
+        </p:txBody>
+      </p:sp>
+      <p:pic>
+        <p:nvPicPr>
+          <p:cNvPr id="1028" name="Picture 4">
+            <a:extLst>
+              <a:ext uri="{FF2B5EF4-FFF2-40B4-BE49-F238E27FC236}">
+                <a16:creationId xmlns:a16="http://schemas.microsoft.com/office/drawing/2014/main" id="{AD6E0854-AECF-4C7B-8F34-CAB363C6A604}"/>
+              </a:ext>
+            </a:extLst>
+          </p:cNvPr>
+          <p:cNvPicPr>
+            <a:picLocks noChangeAspect="1" noChangeArrowheads="1"/>
+          </p:cNvPicPr>
+          <p:nvPr/>
+        </p:nvPicPr>
+        <p:blipFill>
+          <a:blip r:embed="rId3">
+            <a:extLst>
+              <a:ext uri="{28A0092B-C50C-407E-A947-70E740481C1C}">
+                <a14:useLocalDpi xmlns:a14="http://schemas.microsoft.com/office/drawing/2010/main" val="0"/>
+              </a:ext>
+            </a:extLst>
+          </a:blip>
+          <a:srcRect/>
+          <a:stretch>
+            <a:fillRect/>
+          </a:stretch>
+        </p:blipFill>
+        <p:spPr bwMode="auto">
+          <a:xfrm>
+            <a:off x="7772400" y="5336232"/>
+            <a:ext cx="9682927" cy="3864918"/>
+          </a:xfrm>
+          <a:prstGeom prst="rect">
+            <a:avLst/>
+          </a:prstGeom>
+          <a:noFill/>
+          <a:extLst>
+            <a:ext uri="{909E8E84-426E-40DD-AFC4-6F175D3DCCD1}">
+              <a14:hiddenFill xmlns:a14="http://schemas.microsoft.com/office/drawing/2010/main">
+                <a:solidFill>
+                  <a:srgbClr val="FFFFFF"/>
+                </a:solidFill>
+              </a14:hiddenFill>
+            </a:ext>
+          </a:extLst>
+        </p:spPr>
+      </p:pic>
+      <p:pic>
+        <p:nvPicPr>
+          <p:cNvPr id="19" name="Picture 18" descr="A screenshot of a cell phone&#10;&#10;Description automatically generated">
+            <a:extLst>
+              <a:ext uri="{FF2B5EF4-FFF2-40B4-BE49-F238E27FC236}">
+                <a16:creationId xmlns:a16="http://schemas.microsoft.com/office/drawing/2014/main" id="{62C273D0-2870-42D6-A011-C72BAB2C77E0}"/>
+              </a:ext>
+            </a:extLst>
+          </p:cNvPr>
+          <p:cNvPicPr>
+            <a:picLocks noChangeAspect="1"/>
+          </p:cNvPicPr>
+          <p:nvPr/>
+        </p:nvPicPr>
+        <p:blipFill rotWithShape="1">
+          <a:blip r:embed="rId4">
+            <a:extLst>
+              <a:ext uri="{28A0092B-C50C-407E-A947-70E740481C1C}">
+                <a14:useLocalDpi xmlns:a14="http://schemas.microsoft.com/office/drawing/2010/main" val="0"/>
+              </a:ext>
+            </a:extLst>
+          </a:blip>
+          <a:srcRect l="3706" t="6764" r="6329" b="3057"/>
+          <a:stretch/>
+        </p:blipFill>
+        <p:spPr>
+          <a:xfrm>
+            <a:off x="1060074" y="2876549"/>
+            <a:ext cx="5721726" cy="6681951"/>
+          </a:xfrm>
+          <a:prstGeom prst="rect">
+            <a:avLst/>
+          </a:prstGeom>
+        </p:spPr>
+      </p:pic>
     </p:spTree>
     <p:extLst>
       <p:ext uri="{BB962C8B-B14F-4D97-AF65-F5344CB8AC3E}">

--- a/Sharing session - Optimization using Python.pptx
+++ b/Sharing session - Optimization using Python.pptx
@@ -416,7 +416,7 @@
             <a:fld id="{1D8BD707-D9CF-40AE-B4C6-C98DA3205C09}" type="datetimeFigureOut">
               <a:rPr lang="en-US" smtClean="0"/>
               <a:pPr/>
-              <a:t>6/30/2020</a:t>
+              <a:t>7/1/2020</a:t>
             </a:fld>
             <a:endParaRPr lang="en-US"/>
           </a:p>
@@ -581,7 +581,7 @@
             <a:fld id="{1D8BD707-D9CF-40AE-B4C6-C98DA3205C09}" type="datetimeFigureOut">
               <a:rPr lang="en-US" smtClean="0"/>
               <a:pPr/>
-              <a:t>6/30/2020</a:t>
+              <a:t>7/1/2020</a:t>
             </a:fld>
             <a:endParaRPr lang="en-US"/>
           </a:p>
@@ -756,7 +756,7 @@
             <a:fld id="{1D8BD707-D9CF-40AE-B4C6-C98DA3205C09}" type="datetimeFigureOut">
               <a:rPr lang="en-US" smtClean="0"/>
               <a:pPr/>
-              <a:t>6/30/2020</a:t>
+              <a:t>7/1/2020</a:t>
             </a:fld>
             <a:endParaRPr lang="en-US"/>
           </a:p>
@@ -921,7 +921,7 @@
             <a:fld id="{1D8BD707-D9CF-40AE-B4C6-C98DA3205C09}" type="datetimeFigureOut">
               <a:rPr lang="en-US" smtClean="0"/>
               <a:pPr/>
-              <a:t>6/30/2020</a:t>
+              <a:t>7/1/2020</a:t>
             </a:fld>
             <a:endParaRPr lang="en-US"/>
           </a:p>
@@ -1163,7 +1163,7 @@
             <a:fld id="{1D8BD707-D9CF-40AE-B4C6-C98DA3205C09}" type="datetimeFigureOut">
               <a:rPr lang="en-US" smtClean="0"/>
               <a:pPr/>
-              <a:t>6/30/2020</a:t>
+              <a:t>7/1/2020</a:t>
             </a:fld>
             <a:endParaRPr lang="en-US"/>
           </a:p>
@@ -1445,7 +1445,7 @@
             <a:fld id="{1D8BD707-D9CF-40AE-B4C6-C98DA3205C09}" type="datetimeFigureOut">
               <a:rPr lang="en-US" smtClean="0"/>
               <a:pPr/>
-              <a:t>6/30/2020</a:t>
+              <a:t>7/1/2020</a:t>
             </a:fld>
             <a:endParaRPr lang="en-US"/>
           </a:p>
@@ -1861,7 +1861,7 @@
             <a:fld id="{1D8BD707-D9CF-40AE-B4C6-C98DA3205C09}" type="datetimeFigureOut">
               <a:rPr lang="en-US" smtClean="0"/>
               <a:pPr/>
-              <a:t>6/30/2020</a:t>
+              <a:t>7/1/2020</a:t>
             </a:fld>
             <a:endParaRPr lang="en-US"/>
           </a:p>
@@ -1975,7 +1975,7 @@
             <a:fld id="{1D8BD707-D9CF-40AE-B4C6-C98DA3205C09}" type="datetimeFigureOut">
               <a:rPr lang="en-US" smtClean="0"/>
               <a:pPr/>
-              <a:t>6/30/2020</a:t>
+              <a:t>7/1/2020</a:t>
             </a:fld>
             <a:endParaRPr lang="en-US"/>
           </a:p>
@@ -2067,7 +2067,7 @@
             <a:fld id="{1D8BD707-D9CF-40AE-B4C6-C98DA3205C09}" type="datetimeFigureOut">
               <a:rPr lang="en-US" smtClean="0"/>
               <a:pPr/>
-              <a:t>6/30/2020</a:t>
+              <a:t>7/1/2020</a:t>
             </a:fld>
             <a:endParaRPr lang="en-US"/>
           </a:p>
@@ -2339,7 +2339,7 @@
             <a:fld id="{1D8BD707-D9CF-40AE-B4C6-C98DA3205C09}" type="datetimeFigureOut">
               <a:rPr lang="en-US" smtClean="0"/>
               <a:pPr/>
-              <a:t>6/30/2020</a:t>
+              <a:t>7/1/2020</a:t>
             </a:fld>
             <a:endParaRPr lang="en-US"/>
           </a:p>
@@ -2588,7 +2588,7 @@
             <a:fld id="{1D8BD707-D9CF-40AE-B4C6-C98DA3205C09}" type="datetimeFigureOut">
               <a:rPr lang="en-US" smtClean="0"/>
               <a:pPr/>
-              <a:t>6/30/2020</a:t>
+              <a:t>7/1/2020</a:t>
             </a:fld>
             <a:endParaRPr lang="en-US"/>
           </a:p>
@@ -2796,7 +2796,7 @@
             <a:fld id="{1D8BD707-D9CF-40AE-B4C6-C98DA3205C09}" type="datetimeFigureOut">
               <a:rPr lang="en-US" smtClean="0"/>
               <a:pPr/>
-              <a:t>6/30/2020</a:t>
+              <a:t>7/1/2020</a:t>
             </a:fld>
             <a:endParaRPr lang="en-US"/>
           </a:p>
@@ -3300,7 +3300,7 @@
         </p:blipFill>
         <p:spPr>
           <a:xfrm>
-            <a:off x="1350272" y="1409700"/>
+            <a:off x="2111568" y="1409700"/>
             <a:ext cx="5602966" cy="2133600"/>
           </a:xfrm>
           <a:prstGeom prst="rect">
@@ -3991,7 +3991,7 @@
         </p:nvSpPr>
         <p:spPr>
           <a:xfrm>
-            <a:off x="7772400" y="3314700"/>
+            <a:off x="7772400" y="3285410"/>
             <a:ext cx="9455526" cy="1723549"/>
           </a:xfrm>
           <a:prstGeom prst="rect">
@@ -4004,7 +4004,6 @@
           </a:bodyPr>
           <a:lstStyle/>
           <a:p>
-            <a:pPr algn="r"/>
             <a:r>
               <a:rPr lang="en-US" sz="2800" b="0" i="0" dirty="0">
                 <a:effectLst/>
@@ -4022,53 +4021,6 @@
           </a:p>
         </p:txBody>
       </p:sp>
-      <p:pic>
-        <p:nvPicPr>
-          <p:cNvPr id="1028" name="Picture 4">
-            <a:extLst>
-              <a:ext uri="{FF2B5EF4-FFF2-40B4-BE49-F238E27FC236}">
-                <a16:creationId xmlns:a16="http://schemas.microsoft.com/office/drawing/2014/main" id="{AD6E0854-AECF-4C7B-8F34-CAB363C6A604}"/>
-              </a:ext>
-            </a:extLst>
-          </p:cNvPr>
-          <p:cNvPicPr>
-            <a:picLocks noChangeAspect="1" noChangeArrowheads="1"/>
-          </p:cNvPicPr>
-          <p:nvPr/>
-        </p:nvPicPr>
-        <p:blipFill>
-          <a:blip r:embed="rId3">
-            <a:extLst>
-              <a:ext uri="{28A0092B-C50C-407E-A947-70E740481C1C}">
-                <a14:useLocalDpi xmlns:a14="http://schemas.microsoft.com/office/drawing/2010/main" val="0"/>
-              </a:ext>
-            </a:extLst>
-          </a:blip>
-          <a:srcRect/>
-          <a:stretch>
-            <a:fillRect/>
-          </a:stretch>
-        </p:blipFill>
-        <p:spPr bwMode="auto">
-          <a:xfrm>
-            <a:off x="7772400" y="5336232"/>
-            <a:ext cx="9682927" cy="3864918"/>
-          </a:xfrm>
-          <a:prstGeom prst="rect">
-            <a:avLst/>
-          </a:prstGeom>
-          <a:noFill/>
-          <a:extLst>
-            <a:ext uri="{909E8E84-426E-40DD-AFC4-6F175D3DCCD1}">
-              <a14:hiddenFill xmlns:a14="http://schemas.microsoft.com/office/drawing/2010/main">
-                <a:solidFill>
-                  <a:srgbClr val="FFFFFF"/>
-                </a:solidFill>
-              </a14:hiddenFill>
-            </a:ext>
-          </a:extLst>
-        </p:spPr>
-      </p:pic>
       <p:pic>
         <p:nvPicPr>
           <p:cNvPr id="19" name="Picture 18" descr="A screenshot of a cell phone&#10;&#10;Description automatically generated">
@@ -4084,7 +4036,7 @@
           <p:nvPr/>
         </p:nvPicPr>
         <p:blipFill rotWithShape="1">
-          <a:blip r:embed="rId4">
+          <a:blip r:embed="rId3">
             <a:extLst>
               <a:ext uri="{28A0092B-C50C-407E-A947-70E740481C1C}">
                 <a14:useLocalDpi xmlns:a14="http://schemas.microsoft.com/office/drawing/2010/main" val="0"/>
@@ -4102,6 +4054,53 @@
           <a:prstGeom prst="rect">
             <a:avLst/>
           </a:prstGeom>
+        </p:spPr>
+      </p:pic>
+      <p:pic>
+        <p:nvPicPr>
+          <p:cNvPr id="2" name="Picture 4">
+            <a:extLst>
+              <a:ext uri="{FF2B5EF4-FFF2-40B4-BE49-F238E27FC236}">
+                <a16:creationId xmlns:a16="http://schemas.microsoft.com/office/drawing/2014/main" id="{47C6FEA4-EF21-4F07-8B7E-7BDC20B6B45E}"/>
+              </a:ext>
+            </a:extLst>
+          </p:cNvPr>
+          <p:cNvPicPr>
+            <a:picLocks noChangeAspect="1" noChangeArrowheads="1"/>
+          </p:cNvPicPr>
+          <p:nvPr/>
+        </p:nvPicPr>
+        <p:blipFill>
+          <a:blip r:embed="rId4">
+            <a:extLst>
+              <a:ext uri="{28A0092B-C50C-407E-A947-70E740481C1C}">
+                <a14:useLocalDpi xmlns:a14="http://schemas.microsoft.com/office/drawing/2010/main" val="0"/>
+              </a:ext>
+            </a:extLst>
+          </a:blip>
+          <a:srcRect/>
+          <a:stretch>
+            <a:fillRect/>
+          </a:stretch>
+        </p:blipFill>
+        <p:spPr bwMode="auto">
+          <a:xfrm>
+            <a:off x="7772400" y="5448300"/>
+            <a:ext cx="9455526" cy="3774151"/>
+          </a:xfrm>
+          <a:prstGeom prst="rect">
+            <a:avLst/>
+          </a:prstGeom>
+          <a:noFill/>
+          <a:extLst>
+            <a:ext uri="{909E8E84-426E-40DD-AFC4-6F175D3DCCD1}">
+              <a14:hiddenFill xmlns:a14="http://schemas.microsoft.com/office/drawing/2010/main">
+                <a:solidFill>
+                  <a:srgbClr val="FFFFFF"/>
+                </a:solidFill>
+              </a14:hiddenFill>
+            </a:ext>
+          </a:extLst>
         </p:spPr>
       </p:pic>
     </p:spTree>
@@ -4148,7 +4147,7 @@
         </p:nvSpPr>
         <p:spPr>
           <a:xfrm>
-            <a:off x="1447801" y="1178037"/>
+            <a:off x="1295400" y="1569720"/>
             <a:ext cx="9138355" cy="1010598"/>
           </a:xfrm>
           <a:prstGeom prst="rect">
@@ -4173,7 +4172,7 @@
                 </a:solidFill>
                 <a:latin typeface="Montserrat Classic Bold"/>
               </a:rPr>
-              <a:t>Wide Range Value</a:t>
+              <a:t>How Much/Many is x ?</a:t>
             </a:r>
           </a:p>
         </p:txBody>
@@ -4192,7 +4191,7 @@
         </p:nvSpPr>
         <p:spPr>
           <a:xfrm>
-            <a:off x="10058400" y="2952125"/>
+            <a:off x="10058400" y="3238500"/>
             <a:ext cx="7271784" cy="4739759"/>
           </a:xfrm>
           <a:prstGeom prst="rect">
@@ -4317,8 +4316,8 @@
         </p:nvSpPr>
         <p:spPr>
           <a:xfrm>
-            <a:off x="1572490" y="2173694"/>
-            <a:ext cx="7647710" cy="738664"/>
+            <a:off x="1295400" y="1181100"/>
+            <a:ext cx="7647710" cy="615553"/>
           </a:xfrm>
           <a:prstGeom prst="rect">
             <a:avLst/>
@@ -4336,7 +4335,7 @@
               </a:spcAft>
             </a:pPr>
             <a:r>
-              <a:rPr lang="en-US" sz="2400" spc="72" dirty="0">
+              <a:rPr lang="en-US" sz="4000" spc="72" dirty="0">
                 <a:solidFill>
                   <a:schemeClr val="tx1">
                     <a:lumMod val="65000"/>
@@ -4345,47 +4344,57 @@
                 </a:solidFill>
                 <a:latin typeface="Montserrat Classic Bold"/>
               </a:rPr>
-              <a:t>The deviation between the maximum and minimum product sales value is very wide.</a:t>
-            </a:r>
-          </a:p>
-        </p:txBody>
-      </p:sp>
-      <p:pic>
-        <p:nvPicPr>
-          <p:cNvPr id="3" name="Picture 2">
+              <a:t>Given this data of variables,</a:t>
+            </a:r>
+          </a:p>
+        </p:txBody>
+      </p:sp>
+      <p:sp>
+        <p:nvSpPr>
+          <p:cNvPr id="7" name="TextBox 4">
             <a:extLst>
               <a:ext uri="{FF2B5EF4-FFF2-40B4-BE49-F238E27FC236}">
-                <a16:creationId xmlns:a16="http://schemas.microsoft.com/office/drawing/2014/main" id="{C39B3956-4484-4A3B-BD28-77D8CF93DA8D}"/>
+                <a16:creationId xmlns:a16="http://schemas.microsoft.com/office/drawing/2014/main" id="{F3B55E23-ADCF-458F-8683-099BE25A92A9}"/>
               </a:ext>
             </a:extLst>
           </p:cNvPr>
-          <p:cNvPicPr>
-            <a:picLocks noChangeAspect="1"/>
-          </p:cNvPicPr>
+          <p:cNvSpPr txBox="1"/>
           <p:nvPr/>
-        </p:nvPicPr>
-        <p:blipFill>
-          <a:blip r:embed="rId3" cstate="print">
-            <a:extLst>
-              <a:ext uri="{28A0092B-C50C-407E-A947-70E740481C1C}">
-                <a14:useLocalDpi xmlns:a14="http://schemas.microsoft.com/office/drawing/2010/main" val="0"/>
-              </a:ext>
-            </a:extLst>
-          </a:blip>
-          <a:stretch>
-            <a:fillRect/>
-          </a:stretch>
-        </p:blipFill>
-        <p:spPr>
-          <a:xfrm>
-            <a:off x="954272" y="3390900"/>
-            <a:ext cx="8752868" cy="5303559"/>
+        </p:nvSpPr>
+        <p:spPr>
+          <a:xfrm>
+            <a:off x="1295400" y="2564368"/>
+            <a:ext cx="7647710" cy="369332"/>
           </a:xfrm>
           <a:prstGeom prst="rect">
             <a:avLst/>
           </a:prstGeom>
         </p:spPr>
-      </p:pic>
+        <p:txBody>
+          <a:bodyPr wrap="square" lIns="0" tIns="0" rIns="0" bIns="0" rtlCol="0" anchor="t">
+            <a:spAutoFit/>
+          </a:bodyPr>
+          <a:lstStyle/>
+          <a:p>
+            <a:pPr>
+              <a:spcAft>
+                <a:spcPts val="600"/>
+              </a:spcAft>
+            </a:pPr>
+            <a:r>
+              <a:rPr lang="en-US" sz="2400" spc="72" dirty="0">
+                <a:solidFill>
+                  <a:schemeClr val="bg1">
+                    <a:lumMod val="50000"/>
+                  </a:schemeClr>
+                </a:solidFill>
+                <a:latin typeface="Montserrat Classic Bold"/>
+              </a:rPr>
+              <a:t>(Regression Analysis)</a:t>
+            </a:r>
+          </a:p>
+        </p:txBody>
+      </p:sp>
     </p:spTree>
     <p:extLst>
       <p:ext uri="{BB962C8B-B14F-4D97-AF65-F5344CB8AC3E}">
